--- a/2021.01 - [ MS SQL Server ]/15 - [ Triggers and Transactions - LAB ]/00 - [ Resources ]/Presentation.pptx
+++ b/2021.01 - [ MS SQL Server ]/15 - [ Triggers and Transactions - LAB ]/00 - [ Resources ]/Presentation.pptx
@@ -329,7 +329,7 @@
           <a:p>
             <a:fld id="{4E087215-0C8F-4762-A664-737A353EC9A4}" type="datetimeFigureOut">
               <a:rPr lang="bg-BG" smtClean="0"/>
-              <a:t>2.12.2020 г.</a:t>
+              <a:t>4.2.2021 г.</a:t>
             </a:fld>
             <a:endParaRPr lang="bg-BG"/>
           </a:p>
@@ -520,7 +520,7 @@
           <a:p>
             <a:fld id="{72D84649-876A-46C9-8472-14CB09C070D8}" type="datetimeFigureOut">
               <a:rPr lang="en-US" smtClean="0"/>
-              <a:t>12/2/2020</a:t>
+              <a:t>2/4/2021</a:t>
             </a:fld>
             <a:endParaRPr lang="en-US"/>
           </a:p>
@@ -3046,7 +3046,7 @@
             <a:fld id="{9B7829E0-F923-4198-B3E5-4DD2525C58C8}" type="datetime1">
               <a:rPr lang="en-US"/>
               <a:pPr/>
-              <a:t>12/2/2020</a:t>
+              <a:t>2/4/2021</a:t>
             </a:fld>
             <a:r>
               <a:rPr lang="en-US"/>
@@ -13455,9 +13455,12 @@
           <a:p>
             <a:r>
               <a:rPr lang="en-US" sz="2800" dirty="0"/>
-              <a:t>Castle 1-1</a:t>
-            </a:r>
-            <a:endParaRPr lang="bg-BG" sz="2800" dirty="0"/>
+              <a:t>Castle 1-</a:t>
+            </a:r>
+            <a:r>
+              <a:rPr lang="bg-BG" sz="2800" dirty="0"/>
+              <a:t>2</a:t>
+            </a:r>
           </a:p>
         </p:txBody>
       </p:sp>
@@ -13485,9 +13488,12 @@
           <a:p>
             <a:r>
               <a:rPr lang="en-US" sz="2800" dirty="0"/>
-              <a:t>Castle 1-2</a:t>
-            </a:r>
-            <a:endParaRPr lang="bg-BG" sz="2800" dirty="0"/>
+              <a:t>Castle 1-</a:t>
+            </a:r>
+            <a:r>
+              <a:rPr lang="bg-BG" sz="2800" dirty="0"/>
+              <a:t>3</a:t>
+            </a:r>
           </a:p>
         </p:txBody>
       </p:sp>
@@ -14984,8 +14990,8 @@
         </p:nvSpPr>
         <p:spPr bwMode="auto">
           <a:xfrm>
-            <a:off x="495300" y="1359000"/>
-            <a:ext cx="11201400" cy="5241729"/>
+            <a:off x="381000" y="1359000"/>
+            <a:ext cx="11565000" cy="5241729"/>
           </a:xfrm>
           <a:prstGeom prst="rect">
             <a:avLst/>
@@ -15019,29 +15025,9 @@
             </a:pPr>
             <a:r>
               <a:rPr lang="en-US" sz="2400" b="1" dirty="0">
-                <a:solidFill>
-                  <a:schemeClr val="bg1"/>
-                </a:solidFill>
                 <a:latin typeface="Consolas" panose="020B0609020204030204" pitchFamily="49" charset="0"/>
               </a:rPr>
-              <a:t>CREATE</a:t>
-            </a:r>
-            <a:r>
-              <a:rPr lang="en-US" sz="2400" dirty="0"/>
-              <a:t> </a:t>
-            </a:r>
-            <a:r>
-              <a:rPr lang="en-US" sz="2400" b="1" dirty="0">
-                <a:solidFill>
-                  <a:schemeClr val="bg1"/>
-                </a:solidFill>
-                <a:latin typeface="Consolas" panose="020B0609020204030204" pitchFamily="49" charset="0"/>
-              </a:rPr>
-              <a:t>PROC</a:t>
-            </a:r>
-            <a:r>
-              <a:rPr lang="en-US" sz="2400" dirty="0"/>
-              <a:t> </a:t>
+              <a:t>CREATE PROC </a:t>
             </a:r>
             <a:r>
               <a:rPr lang="en-US" sz="2400" b="1" dirty="0" err="1">
@@ -15050,62 +15036,10 @@
               <a:t>usp_Withdraw</a:t>
             </a:r>
             <a:r>
-              <a:rPr lang="en-US" sz="2400" dirty="0"/>
-              <a:t>  </a:t>
-            </a:r>
-            <a:r>
               <a:rPr lang="en-US" sz="2400" b="1" dirty="0">
                 <a:latin typeface="Consolas" panose="020B0609020204030204" pitchFamily="49" charset="0"/>
               </a:rPr>
-              <a:t>@</a:t>
-            </a:r>
-            <a:r>
-              <a:rPr lang="en-US" sz="2400" b="1" dirty="0" err="1">
-                <a:latin typeface="Consolas" panose="020B0609020204030204" pitchFamily="49" charset="0"/>
-              </a:rPr>
-              <a:t>withdrawAmount</a:t>
-            </a:r>
-            <a:r>
-              <a:rPr lang="en-US" sz="2400" dirty="0"/>
-              <a:t> </a:t>
-            </a:r>
-            <a:r>
-              <a:rPr lang="en-US" sz="2400" b="1" dirty="0">
-                <a:solidFill>
-                  <a:schemeClr val="bg1"/>
-                </a:solidFill>
-                <a:latin typeface="Consolas" panose="020B0609020204030204" pitchFamily="49" charset="0"/>
-              </a:rPr>
-              <a:t>DECIMAL(18,2</a:t>
-            </a:r>
-            <a:r>
-              <a:rPr lang="en-US" sz="2400" dirty="0"/>
-              <a:t>), </a:t>
-            </a:r>
-            <a:r>
-              <a:rPr lang="en-US" sz="2400" b="1" dirty="0">
-                <a:latin typeface="Consolas" panose="020B0609020204030204" pitchFamily="49" charset="0"/>
-              </a:rPr>
-              <a:t>@</a:t>
-            </a:r>
-            <a:r>
-              <a:rPr lang="en-US" sz="2400" b="1" dirty="0" err="1">
-                <a:latin typeface="Consolas" panose="020B0609020204030204" pitchFamily="49" charset="0"/>
-              </a:rPr>
-              <a:t>accountId</a:t>
-            </a:r>
-            <a:r>
-              <a:rPr lang="en-US" sz="2400" dirty="0"/>
-              <a:t> </a:t>
-            </a:r>
-            <a:r>
-              <a:rPr lang="en-US" sz="2400" b="1" dirty="0">
-                <a:solidFill>
-                  <a:schemeClr val="bg1"/>
-                </a:solidFill>
-                <a:latin typeface="Consolas" panose="020B0609020204030204" pitchFamily="49" charset="0"/>
-              </a:rPr>
-              <a:t>INT</a:t>
+              <a:t> (@withdrawAmount DECIMAL(18,2), @accountId INT)</a:t>
             </a:r>
           </a:p>
           <a:p>
@@ -15120,32 +15054,6 @@
               </a:rPr>
               <a:t>AS</a:t>
             </a:r>
-            <a:r>
-              <a:rPr lang="en-US" sz="2400" b="1" dirty="0">
-                <a:solidFill>
-                  <a:schemeClr val="bg1"/>
-                </a:solidFill>
-                <a:latin typeface="Consolas" panose="020B0609020204030204" pitchFamily="49" charset="0"/>
-              </a:rPr>
-              <a:t/>
-            </a:r>
-            <a:br>
-              <a:rPr lang="en-US" sz="2400" b="1" dirty="0">
-                <a:solidFill>
-                  <a:schemeClr val="bg1"/>
-                </a:solidFill>
-                <a:latin typeface="Consolas" panose="020B0609020204030204" pitchFamily="49" charset="0"/>
-              </a:rPr>
-            </a:br>
-            <a:r>
-              <a:rPr lang="en-US" sz="2400" b="1" dirty="0">
-                <a:solidFill>
-                  <a:schemeClr val="bg1"/>
-                </a:solidFill>
-                <a:latin typeface="Consolas" panose="020B0609020204030204" pitchFamily="49" charset="0"/>
-              </a:rPr>
-              <a:t>BEGIN TRANSACTION</a:t>
-            </a:r>
           </a:p>
           <a:p>
             <a:pPr>
@@ -15155,15 +15063,12 @@
             </a:pPr>
             <a:r>
               <a:rPr lang="en-US" sz="2400" b="1" dirty="0">
+                <a:solidFill>
+                  <a:schemeClr val="bg1"/>
+                </a:solidFill>
                 <a:latin typeface="Consolas" panose="020B0609020204030204" pitchFamily="49" charset="0"/>
               </a:rPr>
-              <a:t>UPDATE Accounts SET Balance = Balance - @</a:t>
-            </a:r>
-            <a:r>
-              <a:rPr lang="en-US" sz="2400" b="1" noProof="1">
-                <a:latin typeface="Consolas" panose="020B0609020204030204" pitchFamily="49" charset="0"/>
-              </a:rPr>
-              <a:t>withdrawAmount</a:t>
+              <a:t>BEGIN TRANSACTION</a:t>
             </a:r>
           </a:p>
           <a:p>
@@ -15176,13 +15081,13 @@
               <a:rPr lang="en-US" sz="2400" b="1" dirty="0">
                 <a:latin typeface="Consolas" panose="020B0609020204030204" pitchFamily="49" charset="0"/>
               </a:rPr>
-              <a:t>WHERE Id = </a:t>
+              <a:t>UPDATE Accounts SET Balance = Balance - @</a:t>
             </a:r>
             <a:r>
               <a:rPr lang="en-US" sz="2400" b="1" noProof="1">
                 <a:latin typeface="Consolas" panose="020B0609020204030204" pitchFamily="49" charset="0"/>
               </a:rPr>
-              <a:t>@accountId</a:t>
+              <a:t>withdrawAmount</a:t>
             </a:r>
           </a:p>
           <a:p>
@@ -15195,31 +15100,13 @@
               <a:rPr lang="en-US" sz="2400" b="1" dirty="0">
                 <a:latin typeface="Consolas" panose="020B0609020204030204" pitchFamily="49" charset="0"/>
               </a:rPr>
-              <a:t>IF @@ROWCOUNT &lt;&gt; 1</a:t>
-            </a:r>
-            <a:r>
-              <a:rPr lang="bg-BG" sz="2400" b="1" dirty="0">
+              <a:t>WHERE Id = </a:t>
+            </a:r>
+            <a:r>
+              <a:rPr lang="en-US" sz="2400" b="1" noProof="1">
                 <a:latin typeface="Consolas" panose="020B0609020204030204" pitchFamily="49" charset="0"/>
               </a:rPr>
-              <a:t> </a:t>
-            </a:r>
-            <a:r>
-              <a:rPr lang="en-US" sz="2400" b="1" dirty="0">
-                <a:latin typeface="Consolas" panose="020B0609020204030204" pitchFamily="49" charset="0"/>
-              </a:rPr>
-              <a:t>--</a:t>
-            </a:r>
-            <a:r>
-              <a:rPr lang="bg-BG" sz="2400" b="1" dirty="0">
-                <a:latin typeface="Consolas" panose="020B0609020204030204" pitchFamily="49" charset="0"/>
-              </a:rPr>
-              <a:t> </a:t>
-            </a:r>
-            <a:r>
-              <a:rPr lang="en-US" sz="2400" b="1" dirty="0">
-                <a:latin typeface="Consolas" panose="020B0609020204030204" pitchFamily="49" charset="0"/>
-              </a:rPr>
-              <a:t>Didn’t affect exactly one row</a:t>
+              <a:t>@accountId</a:t>
             </a:r>
           </a:p>
           <a:p>
@@ -15232,7 +15119,31 @@
               <a:rPr lang="en-US" sz="2400" b="1" dirty="0">
                 <a:latin typeface="Consolas" panose="020B0609020204030204" pitchFamily="49" charset="0"/>
               </a:rPr>
-              <a:t>BEGIN</a:t>
+              <a:t>IF @@ROWCOUNT &lt;&gt; 1</a:t>
+            </a:r>
+            <a:r>
+              <a:rPr lang="bg-BG" sz="2400" b="1" dirty="0">
+                <a:latin typeface="Consolas" panose="020B0609020204030204" pitchFamily="49" charset="0"/>
+              </a:rPr>
+              <a:t> </a:t>
+            </a:r>
+            <a:r>
+              <a:rPr lang="en-US" sz="2400" b="1" dirty="0">
+                <a:latin typeface="Consolas" panose="020B0609020204030204" pitchFamily="49" charset="0"/>
+              </a:rPr>
+              <a:t>--</a:t>
+            </a:r>
+            <a:r>
+              <a:rPr lang="bg-BG" sz="2400" b="1" dirty="0">
+                <a:latin typeface="Consolas" panose="020B0609020204030204" pitchFamily="49" charset="0"/>
+              </a:rPr>
+              <a:t> </a:t>
+            </a:r>
+            <a:r>
+              <a:rPr lang="en-US" sz="2400" b="1" dirty="0">
+                <a:latin typeface="Consolas" panose="020B0609020204030204" pitchFamily="49" charset="0"/>
+              </a:rPr>
+              <a:t>Didn’t affect exactly one row</a:t>
             </a:r>
           </a:p>
           <a:p>
@@ -15245,7 +15156,7 @@
               <a:rPr lang="en-US" sz="2400" b="1" dirty="0">
                 <a:latin typeface="Consolas" panose="020B0609020204030204" pitchFamily="49" charset="0"/>
               </a:rPr>
-              <a:t>  ROLLBACK</a:t>
+              <a:t>BEGIN</a:t>
             </a:r>
           </a:p>
           <a:p>
@@ -15258,7 +15169,16 @@
               <a:rPr lang="en-US" sz="2400" b="1" dirty="0">
                 <a:latin typeface="Consolas" panose="020B0609020204030204" pitchFamily="49" charset="0"/>
               </a:rPr>
-              <a:t>  RAISERROR('Invalid account!', 16, 1)</a:t>
+              <a:t>  </a:t>
+            </a:r>
+            <a:r>
+              <a:rPr lang="en-US" sz="2400" b="1" dirty="0">
+                <a:solidFill>
+                  <a:schemeClr val="bg1"/>
+                </a:solidFill>
+                <a:latin typeface="Consolas" panose="020B0609020204030204" pitchFamily="49" charset="0"/>
+              </a:rPr>
+              <a:t>ROLLBACK</a:t>
             </a:r>
           </a:p>
           <a:p>
@@ -15271,7 +15191,7 @@
               <a:rPr lang="en-US" sz="2400" b="1" dirty="0">
                 <a:latin typeface="Consolas" panose="020B0609020204030204" pitchFamily="49" charset="0"/>
               </a:rPr>
-              <a:t>  RETURN</a:t>
+              <a:t>  THROW 50001, 'Invalid account!’, 1</a:t>
             </a:r>
           </a:p>
           <a:p>
@@ -15282,9 +15202,19 @@
             </a:pPr>
             <a:r>
               <a:rPr lang="en-US" sz="2400" b="1" dirty="0">
-                <a:solidFill>
-                  <a:schemeClr val="bg1"/>
-                </a:solidFill>
+                <a:latin typeface="Consolas" panose="020B0609020204030204" pitchFamily="49" charset="0"/>
+              </a:rPr>
+              <a:t>  RETURN</a:t>
+            </a:r>
+          </a:p>
+          <a:p>
+            <a:pPr>
+              <a:lnSpc>
+                <a:spcPct val="105000"/>
+              </a:lnSpc>
+            </a:pPr>
+            <a:r>
+              <a:rPr lang="en-US" sz="2400" b="1" dirty="0">
                 <a:latin typeface="Consolas" panose="020B0609020204030204" pitchFamily="49" charset="0"/>
               </a:rPr>
               <a:t>END</a:t>
@@ -15324,13 +15254,13 @@
         </p:nvSpPr>
         <p:spPr bwMode="auto">
           <a:xfrm>
-            <a:off x="3618982" y="2168409"/>
+            <a:off x="3621000" y="1989000"/>
             <a:ext cx="2743200" cy="510778"/>
           </a:xfrm>
           <a:prstGeom prst="wedgeRoundRectCallout">
             <a:avLst>
-              <a:gd name="adj1" fmla="val -43408"/>
-              <a:gd name="adj2" fmla="val 85320"/>
+              <a:gd name="adj1" fmla="val -68898"/>
+              <a:gd name="adj2" fmla="val 68771"/>
               <a:gd name="adj3" fmla="val 16667"/>
             </a:avLst>
           </a:prstGeom>
@@ -15408,8 +15338,8 @@
           </a:xfrm>
           <a:prstGeom prst="wedgeRoundRectCallout">
             <a:avLst>
-              <a:gd name="adj1" fmla="val -60590"/>
-              <a:gd name="adj2" fmla="val -54483"/>
+              <a:gd name="adj1" fmla="val -94939"/>
+              <a:gd name="adj2" fmla="val 51858"/>
               <a:gd name="adj3" fmla="val 16667"/>
             </a:avLst>
           </a:prstGeom>
@@ -15487,8 +15417,8 @@
           </a:xfrm>
           <a:prstGeom prst="wedgeRoundRectCallout">
             <a:avLst>
-              <a:gd name="adj1" fmla="val -62622"/>
-              <a:gd name="adj2" fmla="val 60720"/>
+              <a:gd name="adj1" fmla="val -75608"/>
+              <a:gd name="adj2" fmla="val 52664"/>
               <a:gd name="adj3" fmla="val 16667"/>
             </a:avLst>
           </a:prstGeom>
@@ -15948,10 +15878,9 @@
           <a:lstStyle/>
           <a:p>
             <a:r>
-              <a:rPr lang="en-US" dirty="0" smtClean="0"/>
+              <a:rPr lang="en-US" dirty="0"/>
               <a:t>Solving Problems Before They Arise</a:t>
             </a:r>
-            <a:endParaRPr lang="en-US" dirty="0"/>
           </a:p>
         </p:txBody>
       </p:sp>
@@ -15977,7 +15906,7 @@
           <a:lstStyle/>
           <a:p>
             <a:r>
-              <a:rPr lang="en-US" smtClean="0"/>
+              <a:rPr lang="en-US"/>
               <a:t>ACID Models</a:t>
             </a:r>
             <a:endParaRPr lang="en-US" dirty="0"/>
@@ -20883,8 +20812,8 @@
         </p:nvSpPr>
         <p:spPr>
           <a:xfrm>
-            <a:off x="6496463" y="3603737"/>
-            <a:ext cx="2242800" cy="2242800"/>
+            <a:off x="6411000" y="3603737"/>
+            <a:ext cx="2429999" cy="2242800"/>
           </a:xfrm>
           <a:prstGeom prst="diamond">
             <a:avLst/>
@@ -20931,7 +20860,7 @@
                   <a:schemeClr val="tx1"/>
                 </a:solidFill>
               </a:rPr>
-              <a:t>Event</a:t>
+              <a:t>Trigger</a:t>
             </a:r>
           </a:p>
         </p:txBody>
@@ -21064,7 +20993,7 @@
                   <a:schemeClr val="tx1"/>
                 </a:solidFill>
               </a:rPr>
-              <a:t>Action</a:t>
+              <a:t>Query</a:t>
             </a:r>
           </a:p>
         </p:txBody>
@@ -21081,8 +21010,8 @@
         </p:nvCxnSpPr>
         <p:spPr>
           <a:xfrm>
-            <a:off x="6021263" y="4706031"/>
-            <a:ext cx="475200" cy="19107"/>
+            <a:off x="6021263" y="4706030"/>
+            <a:ext cx="389737" cy="19107"/>
           </a:xfrm>
           <a:prstGeom prst="line">
             <a:avLst/>
@@ -22304,8 +22233,8 @@
         </p:nvSpPr>
         <p:spPr bwMode="auto">
           <a:xfrm>
-            <a:off x="609601" y="1876485"/>
-            <a:ext cx="10972800" cy="4650092"/>
+            <a:off x="606000" y="1944000"/>
+            <a:ext cx="10972800" cy="3542096"/>
           </a:xfrm>
           <a:prstGeom prst="rect">
             <a:avLst/>
@@ -22345,7 +22274,18 @@
               <a:rPr lang="en-US" sz="2400" b="1" noProof="1">
                 <a:latin typeface="Consolas" panose="020B0609020204030204" pitchFamily="49" charset="0"/>
               </a:rPr>
-              <a:t>tr_TownsUpdate</a:t>
+              <a:t>tr_AddToLogsOnAccountUpdate</a:t>
+            </a:r>
+          </a:p>
+          <a:p>
+            <a:r>
+              <a:rPr lang="en-US" sz="2400" b="1" noProof="1">
+                <a:solidFill>
+                  <a:schemeClr val="bg1"/>
+                </a:solidFill>
+                <a:latin typeface="Consolas" panose="020B0609020204030204" pitchFamily="49" charset="0"/>
+              </a:rPr>
+              <a:t>ON</a:t>
             </a:r>
             <a:r>
               <a:rPr lang="en-US" sz="2400" b="1" noProof="1">
@@ -22358,12 +22298,9 @@
             </a:r>
             <a:r>
               <a:rPr lang="en-US" sz="2400" b="1" noProof="1">
-                <a:solidFill>
-                  <a:schemeClr val="bg1"/>
-                </a:solidFill>
                 <a:latin typeface="Consolas" panose="020B0609020204030204" pitchFamily="49" charset="0"/>
               </a:rPr>
-              <a:t>ON</a:t>
+              <a:t>Accounts</a:t>
             </a:r>
             <a:r>
               <a:rPr lang="en-US" sz="2400" b="1" noProof="1">
@@ -22376,9 +22313,12 @@
             </a:r>
             <a:r>
               <a:rPr lang="en-US" sz="2400" b="1" noProof="1">
+                <a:solidFill>
+                  <a:schemeClr val="bg1"/>
+                </a:solidFill>
                 <a:latin typeface="Consolas" panose="020B0609020204030204" pitchFamily="49" charset="0"/>
               </a:rPr>
-              <a:t>Towns</a:t>
+              <a:t>FOR</a:t>
             </a:r>
             <a:r>
               <a:rPr lang="en-US" sz="2400" b="1" noProof="1">
@@ -22396,24 +22336,6 @@
                 </a:solidFill>
                 <a:latin typeface="Consolas" panose="020B0609020204030204" pitchFamily="49" charset="0"/>
               </a:rPr>
-              <a:t>FOR</a:t>
-            </a:r>
-            <a:r>
-              <a:rPr lang="en-US" sz="2400" b="1" noProof="1">
-                <a:solidFill>
-                  <a:schemeClr val="tx2"/>
-                </a:solidFill>
-                <a:latin typeface="Consolas" panose="020B0609020204030204" pitchFamily="49" charset="0"/>
-              </a:rPr>
-              <a:t> </a:t>
-            </a:r>
-            <a:r>
-              <a:rPr lang="en-US" sz="2400" b="1" noProof="1">
-                <a:solidFill>
-                  <a:schemeClr val="bg1"/>
-                </a:solidFill>
-                <a:latin typeface="Consolas" panose="020B0609020204030204" pitchFamily="49" charset="0"/>
-              </a:rPr>
               <a:t>UPDATE</a:t>
             </a:r>
           </a:p>
@@ -22442,7 +22364,7 @@
               <a:rPr lang="en-US" sz="2400" b="1" noProof="1">
                 <a:latin typeface="Consolas" panose="020B0609020204030204" pitchFamily="49" charset="0"/>
               </a:rPr>
-              <a:t>IF (EXISTS(</a:t>
+              <a:t>INSERT INTO Logs(AccountId, OldAmount, NewAmount, UpdatedOn)</a:t>
             </a:r>
           </a:p>
           <a:p>
@@ -22450,7 +22372,7 @@
               <a:rPr lang="en-US" sz="2400" b="1" noProof="1">
                 <a:latin typeface="Consolas" panose="020B0609020204030204" pitchFamily="49" charset="0"/>
               </a:rPr>
-              <a:t>        SELECT * FROM inserted</a:t>
+              <a:t>  SELECT i.Id, d.Balance, i.Balance, GETDATE()</a:t>
             </a:r>
           </a:p>
           <a:p>
@@ -22458,15 +22380,22 @@
               <a:rPr lang="en-US" sz="2400" b="1" noProof="1">
                 <a:latin typeface="Consolas" panose="020B0609020204030204" pitchFamily="49" charset="0"/>
               </a:rPr>
-              <a:t>        WHERE Name IS NULL OR LEN(Name) = 0))</a:t>
-            </a:r>
-          </a:p>
-          <a:p>
+              <a:t>  FROM </a:t>
+            </a:r>
+            <a:r>
+              <a:rPr lang="en-US" sz="2400" b="1" noProof="1">
+                <a:solidFill>
+                  <a:schemeClr val="bg1"/>
+                </a:solidFill>
+                <a:latin typeface="Consolas" panose="020B0609020204030204" pitchFamily="49" charset="0"/>
+              </a:rPr>
+              <a:t>inserted</a:t>
+            </a:r>
             <a:r>
               <a:rPr lang="en-US" sz="2400" b="1" noProof="1">
                 <a:latin typeface="Consolas" panose="020B0609020204030204" pitchFamily="49" charset="0"/>
               </a:rPr>
-              <a:t>  BEGIN</a:t>
+              <a:t> AS i</a:t>
             </a:r>
           </a:p>
           <a:p>
@@ -22474,15 +22403,22 @@
               <a:rPr lang="en-US" sz="2400" b="1" noProof="1">
                 <a:latin typeface="Consolas" panose="020B0609020204030204" pitchFamily="49" charset="0"/>
               </a:rPr>
-              <a:t>    RAISERROR('Town name cannot be empty.', 16, 1)</a:t>
-            </a:r>
-          </a:p>
-          <a:p>
+              <a:t>  JOIN </a:t>
+            </a:r>
+            <a:r>
+              <a:rPr lang="en-US" sz="2400" b="1" noProof="1">
+                <a:solidFill>
+                  <a:schemeClr val="bg1"/>
+                </a:solidFill>
+                <a:latin typeface="Consolas" panose="020B0609020204030204" pitchFamily="49" charset="0"/>
+              </a:rPr>
+              <a:t>deleted</a:t>
+            </a:r>
             <a:r>
               <a:rPr lang="en-US" sz="2400" b="1" noProof="1">
                 <a:latin typeface="Consolas" panose="020B0609020204030204" pitchFamily="49" charset="0"/>
               </a:rPr>
-              <a:t>    ROLLBACK</a:t>
+              <a:t> AS d ON i.Id = d.Id</a:t>
             </a:r>
           </a:p>
           <a:p>
@@ -22490,150 +22426,19 @@
               <a:rPr lang="en-US" sz="2400" b="1" noProof="1">
                 <a:latin typeface="Consolas" panose="020B0609020204030204" pitchFamily="49" charset="0"/>
               </a:rPr>
-              <a:t>    RETURN</a:t>
+              <a:t>  WHERE i.Balance != d.Balance</a:t>
             </a:r>
           </a:p>
           <a:p>
             <a:r>
               <a:rPr lang="en-US" sz="2400" b="1" noProof="1">
+                <a:solidFill>
+                  <a:schemeClr val="bg1"/>
+                </a:solidFill>
                 <a:latin typeface="Consolas" panose="020B0609020204030204" pitchFamily="49" charset="0"/>
               </a:rPr>
-              <a:t>  END</a:t>
-            </a:r>
-          </a:p>
-          <a:p>
-            <a:endParaRPr lang="en-US" sz="2400" b="1" noProof="1">
-              <a:latin typeface="Consolas" panose="020B0609020204030204" pitchFamily="49" charset="0"/>
-            </a:endParaRPr>
-          </a:p>
-          <a:p>
-            <a:r>
-              <a:rPr lang="en-US" sz="2400" b="1" noProof="1">
-                <a:latin typeface="Consolas" panose="020B0609020204030204" pitchFamily="49" charset="0"/>
-              </a:rPr>
-              <a:t>UPDATE Towns </a:t>
-            </a:r>
-            <a:r>
-              <a:rPr lang="en-US" sz="2400" b="1" noProof="1">
-                <a:solidFill>
-                  <a:schemeClr val="bg1"/>
-                </a:solidFill>
-                <a:latin typeface="Consolas" panose="020B0609020204030204" pitchFamily="49" charset="0"/>
-              </a:rPr>
-              <a:t>SET Name='' </a:t>
-            </a:r>
-            <a:r>
-              <a:rPr lang="en-US" sz="2400" b="1" noProof="1">
-                <a:latin typeface="Consolas" panose="020B0609020204030204" pitchFamily="49" charset="0"/>
-              </a:rPr>
-              <a:t>WHERE TownId=1</a:t>
-            </a:r>
-          </a:p>
-        </p:txBody>
-      </p:sp>
-      <p:sp>
-        <p:nvSpPr>
-          <p:cNvPr id="9" name="AutoShape 7"/>
-          <p:cNvSpPr>
-            <a:spLocks noChangeArrowheads="1"/>
-          </p:cNvSpPr>
-          <p:nvPr/>
-        </p:nvSpPr>
-        <p:spPr bwMode="auto">
-          <a:xfrm>
-            <a:off x="4572000" y="4876799"/>
-            <a:ext cx="2220686" cy="653143"/>
-          </a:xfrm>
-          <a:prstGeom prst="wedgeRoundRectCallout">
-            <a:avLst>
-              <a:gd name="adj1" fmla="val -52592"/>
-              <a:gd name="adj2" fmla="val 93858"/>
-              <a:gd name="adj3" fmla="val 16667"/>
-            </a:avLst>
-          </a:prstGeom>
-          <a:solidFill>
-            <a:schemeClr val="dk2">
-              <a:alpha val="80000"/>
-            </a:schemeClr>
-          </a:solidFill>
-          <a:ln w="19050">
-            <a:solidFill>
-              <a:schemeClr val="tx1">
-                <a:lumMod val="75000"/>
-                <a:alpha val="80000"/>
-              </a:schemeClr>
-            </a:solidFill>
-          </a:ln>
-          <a:effectLst/>
-        </p:spPr>
-        <p:style>
-          <a:lnRef idx="2">
-            <a:schemeClr val="accent1">
-              <a:shade val="50000"/>
-            </a:schemeClr>
-          </a:lnRef>
-          <a:fillRef idx="1001">
-            <a:schemeClr val="dk2"/>
-          </a:fillRef>
-          <a:effectRef idx="0">
-            <a:schemeClr val="accent1"/>
-          </a:effectRef>
-          <a:fontRef idx="minor">
-            <a:schemeClr val="lt1"/>
-          </a:fontRef>
-        </p:style>
-        <p:txBody>
-          <a:bodyPr rot="0" spcFirstLastPara="0" vertOverflow="overflow" horzOverflow="overflow" vert="horz" wrap="square" lIns="91440" tIns="45720" rIns="91440" bIns="45720" numCol="1" spcCol="0" rtlCol="0" fromWordArt="0" anchor="ctr" anchorCtr="0" forceAA="0" compatLnSpc="1">
-            <a:prstTxWarp prst="textNoShape">
-              <a:avLst/>
-            </a:prstTxWarp>
-            <a:spAutoFit/>
-          </a:bodyPr>
-          <a:lstStyle/>
-          <a:p>
-            <a:pPr algn="ctr" eaLnBrk="0" hangingPunct="0"/>
-            <a:r>
-              <a:rPr lang="en-US" sz="2400" b="1" dirty="0">
-                <a:solidFill>
-                  <a:schemeClr val="bg2"/>
-                </a:solidFill>
-                <a:effectLst>
-                  <a:outerShdw blurRad="38100" dist="38100" dir="2700000" algn="tl">
-                    <a:srgbClr val="000000">
-                      <a:alpha val="43137"/>
-                    </a:srgbClr>
-                  </a:outerShdw>
-                </a:effectLst>
-              </a:rPr>
-              <a:t>Causes </a:t>
-            </a:r>
-            <a:r>
-              <a:rPr lang="en-US" sz="2400" b="1">
-                <a:solidFill>
-                  <a:schemeClr val="bg2"/>
-                </a:solidFill>
-                <a:effectLst>
-                  <a:outerShdw blurRad="38100" dist="38100" dir="2700000" algn="tl">
-                    <a:srgbClr val="000000">
-                      <a:alpha val="43137"/>
-                    </a:srgbClr>
-                  </a:outerShdw>
-                </a:effectLst>
-              </a:rPr>
-              <a:t>an error</a:t>
-            </a:r>
-            <a:endParaRPr lang="bg-BG" sz="2400" b="1" dirty="0">
-              <a:solidFill>
-                <a:schemeClr val="bg2"/>
-              </a:solidFill>
-              <a:effectLst>
-                <a:outerShdw blurRad="38100" dist="38100" dir="2700000" algn="tl">
-                  <a:srgbClr val="000000">
-                    <a:alpha val="43137"/>
-                  </a:srgbClr>
-                </a:outerShdw>
-              </a:effectLst>
-            </a:endParaRPr>
+              <a:t>GO</a:t>
+            </a:r>
           </a:p>
         </p:txBody>
       </p:sp>
@@ -22726,7 +22531,7 @@
                                         <p:tgtEl>
                                           <p:spTgt spid="521220">
                                             <p:txEl>
-                                              <p:pRg st="2" end="2"/>
+                                              <p:pRg st="3" end="3"/>
                                             </p:txEl>
                                           </p:spTgt>
                                         </p:tgtEl>
@@ -22775,7 +22580,7 @@
                                         <p:tgtEl>
                                           <p:spTgt spid="521220">
                                             <p:txEl>
-                                              <p:pRg st="3" end="3"/>
+                                              <p:pRg st="4" end="4"/>
                                             </p:txEl>
                                           </p:spTgt>
                                         </p:tgtEl>
@@ -22824,37 +22629,6 @@
                                         <p:tgtEl>
                                           <p:spTgt spid="521220">
                                             <p:txEl>
-                                              <p:pRg st="4" end="4"/>
-                                            </p:txEl>
-                                          </p:spTgt>
-                                        </p:tgtEl>
-                                        <p:attrNameLst>
-                                          <p:attrName>style.visibility</p:attrName>
-                                        </p:attrNameLst>
-                                      </p:cBhvr>
-                                      <p:to>
-                                        <p:strVal val="visible"/>
-                                      </p:to>
-                                    </p:set>
-                                  </p:childTnLst>
-                                </p:cTn>
-                              </p:par>
-                              <p:par>
-                                <p:cTn id="15" presetID="1" presetClass="entr" presetSubtype="0" fill="hold" nodeType="withEffect">
-                                  <p:stCondLst>
-                                    <p:cond delay="0"/>
-                                  </p:stCondLst>
-                                  <p:childTnLst>
-                                    <p:set>
-                                      <p:cBhvr>
-                                        <p:cTn id="16" dur="1" fill="hold">
-                                          <p:stCondLst>
-                                            <p:cond delay="0"/>
-                                          </p:stCondLst>
-                                        </p:cTn>
-                                        <p:tgtEl>
-                                          <p:spTgt spid="521220">
-                                            <p:txEl>
                                               <p:pRg st="5" end="5"/>
                                             </p:txEl>
                                           </p:spTgt>
@@ -22870,8 +22644,26 @@
                                   </p:childTnLst>
                                 </p:cTn>
                               </p:par>
+                            </p:childTnLst>
+                          </p:cTn>
+                        </p:par>
+                      </p:childTnLst>
+                    </p:cTn>
+                  </p:par>
+                  <p:par>
+                    <p:cTn id="15" fill="hold">
+                      <p:stCondLst>
+                        <p:cond delay="indefinite"/>
+                      </p:stCondLst>
+                      <p:childTnLst>
+                        <p:par>
+                          <p:cTn id="16" fill="hold">
+                            <p:stCondLst>
+                              <p:cond delay="0"/>
+                            </p:stCondLst>
+                            <p:childTnLst>
                               <p:par>
-                                <p:cTn id="17" presetID="1" presetClass="entr" presetSubtype="0" fill="hold" nodeType="withEffect">
+                                <p:cTn id="17" presetID="1" presetClass="entr" presetSubtype="0" fill="hold" nodeType="clickEffect">
                                   <p:stCondLst>
                                     <p:cond delay="0"/>
                                   </p:stCondLst>
@@ -22886,7 +22678,7 @@
                                         <p:tgtEl>
                                           <p:spTgt spid="521220">
                                             <p:txEl>
-                                              <p:pRg st="9" end="9"/>
+                                              <p:pRg st="6" end="6"/>
                                             </p:txEl>
                                           </p:spTgt>
                                         </p:tgtEl>
@@ -22935,7 +22727,7 @@
                                         <p:tgtEl>
                                           <p:spTgt spid="521220">
                                             <p:txEl>
-                                              <p:pRg st="6" end="6"/>
+                                              <p:pRg st="7" end="7"/>
                                             </p:txEl>
                                           </p:spTgt>
                                         </p:tgtEl>
@@ -22984,152 +22776,9 @@
                                         <p:tgtEl>
                                           <p:spTgt spid="521220">
                                             <p:txEl>
-                                              <p:pRg st="7" end="7"/>
-                                            </p:txEl>
-                                          </p:spTgt>
-                                        </p:tgtEl>
-                                        <p:attrNameLst>
-                                          <p:attrName>style.visibility</p:attrName>
-                                        </p:attrNameLst>
-                                      </p:cBhvr>
-                                      <p:to>
-                                        <p:strVal val="visible"/>
-                                      </p:to>
-                                    </p:set>
-                                  </p:childTnLst>
-                                </p:cTn>
-                              </p:par>
-                            </p:childTnLst>
-                          </p:cTn>
-                        </p:par>
-                      </p:childTnLst>
-                    </p:cTn>
-                  </p:par>
-                  <p:par>
-                    <p:cTn id="27" fill="hold">
-                      <p:stCondLst>
-                        <p:cond delay="indefinite"/>
-                      </p:stCondLst>
-                      <p:childTnLst>
-                        <p:par>
-                          <p:cTn id="28" fill="hold">
-                            <p:stCondLst>
-                              <p:cond delay="0"/>
-                            </p:stCondLst>
-                            <p:childTnLst>
-                              <p:par>
-                                <p:cTn id="29" presetID="1" presetClass="entr" presetSubtype="0" fill="hold" nodeType="clickEffect">
-                                  <p:stCondLst>
-                                    <p:cond delay="0"/>
-                                  </p:stCondLst>
-                                  <p:childTnLst>
-                                    <p:set>
-                                      <p:cBhvr>
-                                        <p:cTn id="30" dur="1" fill="hold">
-                                          <p:stCondLst>
-                                            <p:cond delay="0"/>
-                                          </p:stCondLst>
-                                        </p:cTn>
-                                        <p:tgtEl>
-                                          <p:spTgt spid="521220">
-                                            <p:txEl>
                                               <p:pRg st="8" end="8"/>
                                             </p:txEl>
                                           </p:spTgt>
-                                        </p:tgtEl>
-                                        <p:attrNameLst>
-                                          <p:attrName>style.visibility</p:attrName>
-                                        </p:attrNameLst>
-                                      </p:cBhvr>
-                                      <p:to>
-                                        <p:strVal val="visible"/>
-                                      </p:to>
-                                    </p:set>
-                                  </p:childTnLst>
-                                </p:cTn>
-                              </p:par>
-                            </p:childTnLst>
-                          </p:cTn>
-                        </p:par>
-                      </p:childTnLst>
-                    </p:cTn>
-                  </p:par>
-                  <p:par>
-                    <p:cTn id="31" fill="hold">
-                      <p:stCondLst>
-                        <p:cond delay="indefinite"/>
-                      </p:stCondLst>
-                      <p:childTnLst>
-                        <p:par>
-                          <p:cTn id="32" fill="hold">
-                            <p:stCondLst>
-                              <p:cond delay="0"/>
-                            </p:stCondLst>
-                            <p:childTnLst>
-                              <p:par>
-                                <p:cTn id="33" presetID="1" presetClass="entr" presetSubtype="0" fill="hold" nodeType="clickEffect">
-                                  <p:stCondLst>
-                                    <p:cond delay="0"/>
-                                  </p:stCondLst>
-                                  <p:childTnLst>
-                                    <p:set>
-                                      <p:cBhvr>
-                                        <p:cTn id="34" dur="1" fill="hold">
-                                          <p:stCondLst>
-                                            <p:cond delay="0"/>
-                                          </p:stCondLst>
-                                        </p:cTn>
-                                        <p:tgtEl>
-                                          <p:spTgt spid="521220">
-                                            <p:txEl>
-                                              <p:pRg st="11" end="11"/>
-                                            </p:txEl>
-                                          </p:spTgt>
-                                        </p:tgtEl>
-                                        <p:attrNameLst>
-                                          <p:attrName>style.visibility</p:attrName>
-                                        </p:attrNameLst>
-                                      </p:cBhvr>
-                                      <p:to>
-                                        <p:strVal val="visible"/>
-                                      </p:to>
-                                    </p:set>
-                                  </p:childTnLst>
-                                </p:cTn>
-                              </p:par>
-                            </p:childTnLst>
-                          </p:cTn>
-                        </p:par>
-                      </p:childTnLst>
-                    </p:cTn>
-                  </p:par>
-                  <p:par>
-                    <p:cTn id="35" fill="hold">
-                      <p:stCondLst>
-                        <p:cond delay="indefinite"/>
-                      </p:stCondLst>
-                      <p:childTnLst>
-                        <p:par>
-                          <p:cTn id="36" fill="hold">
-                            <p:stCondLst>
-                              <p:cond delay="0"/>
-                            </p:stCondLst>
-                            <p:childTnLst>
-                              <p:par>
-                                <p:cTn id="37" presetID="1" presetClass="entr" presetSubtype="0" fill="hold" grpId="0" nodeType="clickEffect">
-                                  <p:stCondLst>
-                                    <p:cond delay="0"/>
-                                  </p:stCondLst>
-                                  <p:childTnLst>
-                                    <p:set>
-                                      <p:cBhvr>
-                                        <p:cTn id="38" dur="1" fill="hold">
-                                          <p:stCondLst>
-                                            <p:cond delay="0"/>
-                                          </p:stCondLst>
-                                        </p:cTn>
-                                        <p:tgtEl>
-                                          <p:spTgt spid="9"/>
                                         </p:tgtEl>
                                         <p:attrNameLst>
                                           <p:attrName>style.visibility</p:attrName>
@@ -23169,9 +22818,6 @@
         </p:cTn>
       </p:par>
     </p:tnLst>
-    <p:bldLst>
-      <p:bldP spid="9" grpId="0" animBg="1"/>
-    </p:bldLst>
   </p:timing>
 </p:sld>
 </file>
@@ -23256,8 +22902,8 @@
         </p:nvSpPr>
         <p:spPr bwMode="auto">
           <a:xfrm>
-            <a:off x="609600" y="1801570"/>
-            <a:ext cx="10972800" cy="4853930"/>
+            <a:off x="606000" y="1944000"/>
+            <a:ext cx="10972800" cy="2914938"/>
           </a:xfrm>
           <a:prstGeom prst="rect">
             <a:avLst/>
@@ -23291,10 +22937,25 @@
             </a:pPr>
             <a:r>
               <a:rPr lang="en-US" sz="2400" b="1" noProof="1">
+                <a:solidFill>
+                  <a:schemeClr val="bg1"/>
+                </a:solidFill>
                 <a:latin typeface="Consolas" panose="020B0609020204030204" pitchFamily="49" charset="0"/>
               </a:rPr>
-              <a:t>CREATE TABLE Accounts(</a:t>
-            </a:r>
+              <a:t>CREATE OR ALTER TRIGGER </a:t>
+            </a:r>
+            <a:r>
+              <a:rPr lang="en-US" sz="2400" b="1" noProof="1">
+                <a:latin typeface="Consolas" panose="020B0609020204030204" pitchFamily="49" charset="0"/>
+              </a:rPr>
+              <a:t>tr_SetIsDeletedOnDelete</a:t>
+            </a:r>
+            <a:endParaRPr lang="en-US" sz="2400" b="1" noProof="1">
+              <a:solidFill>
+                <a:schemeClr val="tx2"/>
+              </a:solidFill>
+              <a:latin typeface="Consolas" panose="020B0609020204030204" pitchFamily="49" charset="0"/>
+            </a:endParaRPr>
           </a:p>
           <a:p>
             <a:pPr>
@@ -23304,9 +22965,27 @@
             </a:pPr>
             <a:r>
               <a:rPr lang="en-US" sz="2400" b="1" noProof="1">
+                <a:solidFill>
+                  <a:schemeClr val="bg1"/>
+                </a:solidFill>
                 <a:latin typeface="Consolas" panose="020B0609020204030204" pitchFamily="49" charset="0"/>
               </a:rPr>
-              <a:t>  Username varchar(10) NOT NULL PRIMARY KEY,</a:t>
+              <a:t>ON</a:t>
+            </a:r>
+            <a:r>
+              <a:rPr lang="en-US" sz="2400" b="1" noProof="1">
+                <a:solidFill>
+                  <a:schemeClr val="tx2"/>
+                </a:solidFill>
+                <a:latin typeface="Consolas" panose="020B0609020204030204" pitchFamily="49" charset="0"/>
+              </a:rPr>
+              <a:t> </a:t>
+            </a:r>
+            <a:r>
+              <a:rPr lang="en-US" sz="2400" b="1" noProof="1">
+                <a:latin typeface="Consolas" panose="020B0609020204030204" pitchFamily="49" charset="0"/>
+              </a:rPr>
+              <a:t>AccountHolders</a:t>
             </a:r>
           </a:p>
           <a:p>
@@ -23317,9 +22996,12 @@
             </a:pPr>
             <a:r>
               <a:rPr lang="en-US" sz="2400" b="1" noProof="1">
+                <a:solidFill>
+                  <a:schemeClr val="bg1"/>
+                </a:solidFill>
                 <a:latin typeface="Consolas" panose="020B0609020204030204" pitchFamily="49" charset="0"/>
               </a:rPr>
-              <a:t>  [Password] varchar(20) NOT NULL,</a:t>
+              <a:t>INSTEAD OF DELETE</a:t>
             </a:r>
           </a:p>
           <a:p>
@@ -23330,9 +23012,12 @@
             </a:pPr>
             <a:r>
               <a:rPr lang="en-US" sz="2400" b="1" noProof="1">
+                <a:solidFill>
+                  <a:schemeClr val="bg1"/>
+                </a:solidFill>
                 <a:latin typeface="Consolas" panose="020B0609020204030204" pitchFamily="49" charset="0"/>
               </a:rPr>
-              <a:t>  Active bit NOT NULL DEFAULT 1</a:t>
+              <a:t>AS</a:t>
             </a:r>
           </a:p>
           <a:p>
@@ -23345,7 +23030,7 @@
               <a:rPr lang="en-US" sz="2400" b="1" noProof="1">
                 <a:latin typeface="Consolas" panose="020B0609020204030204" pitchFamily="49" charset="0"/>
               </a:rPr>
-              <a:t>)</a:t>
+              <a:t>  UPDATE AccountHolders SET IsDeleted = 1</a:t>
             </a:r>
           </a:p>
           <a:p>
@@ -23356,51 +23041,24 @@
             </a:pPr>
             <a:r>
               <a:rPr lang="en-US" sz="2400" b="1" noProof="1">
-                <a:solidFill>
-                  <a:schemeClr val="bg1"/>
-                </a:solidFill>
                 <a:latin typeface="Consolas" panose="020B0609020204030204" pitchFamily="49" charset="0"/>
               </a:rPr>
-              <a:t>CREATE TRIGGER </a:t>
+              <a:t>    WHERE Id IN (SELECT Id FROM </a:t>
+            </a:r>
+            <a:r>
+              <a:rPr lang="en-US" sz="2400" b="1" noProof="1">
+                <a:solidFill>
+                  <a:schemeClr val="bg1"/>
+                </a:solidFill>
+                <a:latin typeface="Consolas" panose="020B0609020204030204" pitchFamily="49" charset="0"/>
+              </a:rPr>
+              <a:t>deleted</a:t>
             </a:r>
             <a:r>
               <a:rPr lang="en-US" sz="2400" b="1" noProof="1">
                 <a:latin typeface="Consolas" panose="020B0609020204030204" pitchFamily="49" charset="0"/>
               </a:rPr>
-              <a:t>tr_AccountsDelete</a:t>
-            </a:r>
-            <a:r>
-              <a:rPr lang="en-US" sz="2400" b="1" noProof="1">
-                <a:solidFill>
-                  <a:schemeClr val="tx2"/>
-                </a:solidFill>
-                <a:latin typeface="Consolas" panose="020B0609020204030204" pitchFamily="49" charset="0"/>
-              </a:rPr>
-              <a:t> </a:t>
-            </a:r>
-            <a:r>
-              <a:rPr lang="en-US" sz="2400" b="1" noProof="1">
-                <a:solidFill>
-                  <a:schemeClr val="bg1"/>
-                </a:solidFill>
-                <a:latin typeface="Consolas" panose="020B0609020204030204" pitchFamily="49" charset="0"/>
-              </a:rPr>
-              <a:t>ON</a:t>
-            </a:r>
-            <a:r>
-              <a:rPr lang="en-US" sz="2400" b="1" noProof="1">
-                <a:solidFill>
-                  <a:schemeClr val="tx2"/>
-                </a:solidFill>
-                <a:latin typeface="Consolas" panose="020B0609020204030204" pitchFamily="49" charset="0"/>
-              </a:rPr>
-              <a:t> </a:t>
-            </a:r>
-            <a:r>
-              <a:rPr lang="en-US" sz="2400" b="1" noProof="1">
-                <a:latin typeface="Consolas" panose="020B0609020204030204" pitchFamily="49" charset="0"/>
-              </a:rPr>
-              <a:t>Accounts</a:t>
+              <a:t>)</a:t>
             </a:r>
           </a:p>
           <a:p>
@@ -23416,75 +23074,7 @@
                 </a:solidFill>
                 <a:latin typeface="Consolas" panose="020B0609020204030204" pitchFamily="49" charset="0"/>
               </a:rPr>
-              <a:t>INSTEAD OF DELETE</a:t>
-            </a:r>
-          </a:p>
-          <a:p>
-            <a:pPr>
-              <a:lnSpc>
-                <a:spcPct val="105000"/>
-              </a:lnSpc>
-            </a:pPr>
-            <a:r>
-              <a:rPr lang="en-US" sz="2400" b="1" noProof="1">
-                <a:solidFill>
-                  <a:schemeClr val="bg1"/>
-                </a:solidFill>
-                <a:latin typeface="Consolas" panose="020B0609020204030204" pitchFamily="49" charset="0"/>
-              </a:rPr>
-              <a:t>AS</a:t>
-            </a:r>
-          </a:p>
-          <a:p>
-            <a:pPr>
-              <a:lnSpc>
-                <a:spcPct val="105000"/>
-              </a:lnSpc>
-            </a:pPr>
-            <a:r>
-              <a:rPr lang="en-US" sz="2400" b="1" noProof="1">
-                <a:latin typeface="Consolas" panose="020B0609020204030204" pitchFamily="49" charset="0"/>
-              </a:rPr>
-              <a:t>UPDATE a SET Active = 0</a:t>
-            </a:r>
-          </a:p>
-          <a:p>
-            <a:pPr>
-              <a:lnSpc>
-                <a:spcPct val="105000"/>
-              </a:lnSpc>
-            </a:pPr>
-            <a:r>
-              <a:rPr lang="en-US" sz="2400" b="1" noProof="1">
-                <a:latin typeface="Consolas" panose="020B0609020204030204" pitchFamily="49" charset="0"/>
-              </a:rPr>
-              <a:t>  FROM Accounts AS a JOIN DELETED d</a:t>
-            </a:r>
-          </a:p>
-          <a:p>
-            <a:pPr>
-              <a:lnSpc>
-                <a:spcPct val="105000"/>
-              </a:lnSpc>
-            </a:pPr>
-            <a:r>
-              <a:rPr lang="en-US" sz="2400" b="1" noProof="1">
-                <a:latin typeface="Consolas" panose="020B0609020204030204" pitchFamily="49" charset="0"/>
-              </a:rPr>
-              <a:t>    ON d.Username = a.Username</a:t>
-            </a:r>
-          </a:p>
-          <a:p>
-            <a:pPr>
-              <a:lnSpc>
-                <a:spcPct val="105000"/>
-              </a:lnSpc>
-            </a:pPr>
-            <a:r>
-              <a:rPr lang="en-US" sz="2400" b="1" noProof="1">
-                <a:latin typeface="Consolas" panose="020B0609020204030204" pitchFamily="49" charset="0"/>
-              </a:rPr>
-              <a:t> WHERE a.Active = 1</a:t>
+              <a:t>GO</a:t>
             </a:r>
           </a:p>
         </p:txBody>
@@ -23593,39 +23183,26 @@
                                   </p:childTnLst>
                                 </p:cTn>
                               </p:par>
+                            </p:childTnLst>
+                          </p:cTn>
+                        </p:par>
+                      </p:childTnLst>
+                    </p:cTn>
+                  </p:par>
+                  <p:par>
+                    <p:cTn id="7" fill="hold">
+                      <p:stCondLst>
+                        <p:cond delay="indefinite"/>
+                      </p:stCondLst>
+                      <p:childTnLst>
+                        <p:par>
+                          <p:cTn id="8" fill="hold">
+                            <p:stCondLst>
+                              <p:cond delay="0"/>
+                            </p:stCondLst>
+                            <p:childTnLst>
                               <p:par>
-                                <p:cTn id="7" presetID="1" presetClass="entr" presetSubtype="0" fill="hold" nodeType="withEffect">
-                                  <p:stCondLst>
-                                    <p:cond delay="0"/>
-                                  </p:stCondLst>
-                                  <p:childTnLst>
-                                    <p:set>
-                                      <p:cBhvr>
-                                        <p:cTn id="8" dur="1" fill="hold">
-                                          <p:stCondLst>
-                                            <p:cond delay="0"/>
-                                          </p:stCondLst>
-                                        </p:cTn>
-                                        <p:tgtEl>
-                                          <p:spTgt spid="522244">
-                                            <p:txEl>
-                                              <p:pRg st="1" end="1"/>
-                                            </p:txEl>
-                                          </p:spTgt>
-                                        </p:tgtEl>
-                                        <p:attrNameLst>
-                                          <p:attrName>style.visibility</p:attrName>
-                                        </p:attrNameLst>
-                                      </p:cBhvr>
-                                      <p:to>
-                                        <p:strVal val="visible"/>
-                                      </p:to>
-                                    </p:set>
-                                  </p:childTnLst>
-                                </p:cTn>
-                              </p:par>
-                              <p:par>
-                                <p:cTn id="9" presetID="1" presetClass="entr" presetSubtype="0" fill="hold" nodeType="withEffect">
+                                <p:cTn id="9" presetID="1" presetClass="entr" presetSubtype="0" fill="hold" nodeType="clickEffect">
                                   <p:stCondLst>
                                     <p:cond delay="0"/>
                                   </p:stCondLst>
@@ -23640,7 +23217,7 @@
                                         <p:tgtEl>
                                           <p:spTgt spid="522244">
                                             <p:txEl>
-                                              <p:pRg st="2" end="2"/>
+                                              <p:pRg st="1" end="1"/>
                                             </p:txEl>
                                           </p:spTgt>
                                         </p:tgtEl>
@@ -23671,7 +23248,7 @@
                                         <p:tgtEl>
                                           <p:spTgt spid="522244">
                                             <p:txEl>
-                                              <p:pRg st="3" end="3"/>
+                                              <p:pRg st="2" end="2"/>
                                             </p:txEl>
                                           </p:spTgt>
                                         </p:tgtEl>
@@ -23702,7 +23279,7 @@
                                         <p:tgtEl>
                                           <p:spTgt spid="522244">
                                             <p:txEl>
-                                              <p:pRg st="4" end="4"/>
+                                              <p:pRg st="3" end="3"/>
                                             </p:txEl>
                                           </p:spTgt>
                                         </p:tgtEl>
@@ -23751,7 +23328,7 @@
                                         <p:tgtEl>
                                           <p:spTgt spid="522244">
                                             <p:txEl>
-                                              <p:pRg st="5" end="5"/>
+                                              <p:pRg st="4" end="4"/>
                                             </p:txEl>
                                           </p:spTgt>
                                         </p:tgtEl>
@@ -23766,39 +23343,26 @@
                                   </p:childTnLst>
                                 </p:cTn>
                               </p:par>
+                            </p:childTnLst>
+                          </p:cTn>
+                        </p:par>
+                      </p:childTnLst>
+                    </p:cTn>
+                  </p:par>
+                  <p:par>
+                    <p:cTn id="19" fill="hold">
+                      <p:stCondLst>
+                        <p:cond delay="indefinite"/>
+                      </p:stCondLst>
+                      <p:childTnLst>
+                        <p:par>
+                          <p:cTn id="20" fill="hold">
+                            <p:stCondLst>
+                              <p:cond delay="0"/>
+                            </p:stCondLst>
+                            <p:childTnLst>
                               <p:par>
-                                <p:cTn id="19" presetID="1" presetClass="entr" presetSubtype="0" fill="hold" nodeType="withEffect">
-                                  <p:stCondLst>
-                                    <p:cond delay="0"/>
-                                  </p:stCondLst>
-                                  <p:childTnLst>
-                                    <p:set>
-                                      <p:cBhvr>
-                                        <p:cTn id="20" dur="1" fill="hold">
-                                          <p:stCondLst>
-                                            <p:cond delay="0"/>
-                                          </p:stCondLst>
-                                        </p:cTn>
-                                        <p:tgtEl>
-                                          <p:spTgt spid="522244">
-                                            <p:txEl>
-                                              <p:pRg st="6" end="6"/>
-                                            </p:txEl>
-                                          </p:spTgt>
-                                        </p:tgtEl>
-                                        <p:attrNameLst>
-                                          <p:attrName>style.visibility</p:attrName>
-                                        </p:attrNameLst>
-                                      </p:cBhvr>
-                                      <p:to>
-                                        <p:strVal val="visible"/>
-                                      </p:to>
-                                    </p:set>
-                                  </p:childTnLst>
-                                </p:cTn>
-                              </p:par>
-                              <p:par>
-                                <p:cTn id="21" presetID="1" presetClass="entr" presetSubtype="0" fill="hold" nodeType="withEffect">
+                                <p:cTn id="21" presetID="1" presetClass="entr" presetSubtype="0" fill="hold" nodeType="clickEffect">
                                   <p:stCondLst>
                                     <p:cond delay="0"/>
                                   </p:stCondLst>
@@ -23813,7 +23377,7 @@
                                         <p:tgtEl>
                                           <p:spTgt spid="522244">
                                             <p:txEl>
-                                              <p:pRg st="7" end="7"/>
+                                              <p:pRg st="5" end="5"/>
                                             </p:txEl>
                                           </p:spTgt>
                                         </p:tgtEl>
@@ -23862,154 +23426,7 @@
                                         <p:tgtEl>
                                           <p:spTgt spid="522244">
                                             <p:txEl>
-                                              <p:pRg st="8" end="8"/>
-                                            </p:txEl>
-                                          </p:spTgt>
-                                        </p:tgtEl>
-                                        <p:attrNameLst>
-                                          <p:attrName>style.visibility</p:attrName>
-                                        </p:attrNameLst>
-                                      </p:cBhvr>
-                                      <p:to>
-                                        <p:strVal val="visible"/>
-                                      </p:to>
-                                    </p:set>
-                                  </p:childTnLst>
-                                </p:cTn>
-                              </p:par>
-                            </p:childTnLst>
-                          </p:cTn>
-                        </p:par>
-                      </p:childTnLst>
-                    </p:cTn>
-                  </p:par>
-                  <p:par>
-                    <p:cTn id="27" fill="hold">
-                      <p:stCondLst>
-                        <p:cond delay="indefinite"/>
-                      </p:stCondLst>
-                      <p:childTnLst>
-                        <p:par>
-                          <p:cTn id="28" fill="hold">
-                            <p:stCondLst>
-                              <p:cond delay="0"/>
-                            </p:stCondLst>
-                            <p:childTnLst>
-                              <p:par>
-                                <p:cTn id="29" presetID="1" presetClass="entr" presetSubtype="0" fill="hold" nodeType="clickEffect">
-                                  <p:stCondLst>
-                                    <p:cond delay="0"/>
-                                  </p:stCondLst>
-                                  <p:childTnLst>
-                                    <p:set>
-                                      <p:cBhvr>
-                                        <p:cTn id="30" dur="1" fill="hold">
-                                          <p:stCondLst>
-                                            <p:cond delay="0"/>
-                                          </p:stCondLst>
-                                        </p:cTn>
-                                        <p:tgtEl>
-                                          <p:spTgt spid="522244">
-                                            <p:txEl>
-                                              <p:pRg st="9" end="9"/>
-                                            </p:txEl>
-                                          </p:spTgt>
-                                        </p:tgtEl>
-                                        <p:attrNameLst>
-                                          <p:attrName>style.visibility</p:attrName>
-                                        </p:attrNameLst>
-                                      </p:cBhvr>
-                                      <p:to>
-                                        <p:strVal val="visible"/>
-                                      </p:to>
-                                    </p:set>
-                                  </p:childTnLst>
-                                </p:cTn>
-                              </p:par>
-                            </p:childTnLst>
-                          </p:cTn>
-                        </p:par>
-                      </p:childTnLst>
-                    </p:cTn>
-                  </p:par>
-                  <p:par>
-                    <p:cTn id="31" fill="hold">
-                      <p:stCondLst>
-                        <p:cond delay="indefinite"/>
-                      </p:stCondLst>
-                      <p:childTnLst>
-                        <p:par>
-                          <p:cTn id="32" fill="hold">
-                            <p:stCondLst>
-                              <p:cond delay="0"/>
-                            </p:stCondLst>
-                            <p:childTnLst>
-                              <p:par>
-                                <p:cTn id="33" presetID="1" presetClass="entr" presetSubtype="0" fill="hold" nodeType="clickEffect">
-                                  <p:stCondLst>
-                                    <p:cond delay="0"/>
-                                  </p:stCondLst>
-                                  <p:childTnLst>
-                                    <p:set>
-                                      <p:cBhvr>
-                                        <p:cTn id="34" dur="1" fill="hold">
-                                          <p:stCondLst>
-                                            <p:cond delay="0"/>
-                                          </p:stCondLst>
-                                        </p:cTn>
-                                        <p:tgtEl>
-                                          <p:spTgt spid="522244">
-                                            <p:txEl>
-                                              <p:pRg st="10" end="10"/>
-                                            </p:txEl>
-                                          </p:spTgt>
-                                        </p:tgtEl>
-                                        <p:attrNameLst>
-                                          <p:attrName>style.visibility</p:attrName>
-                                        </p:attrNameLst>
-                                      </p:cBhvr>
-                                      <p:to>
-                                        <p:strVal val="visible"/>
-                                      </p:to>
-                                    </p:set>
-                                  </p:childTnLst>
-                                </p:cTn>
-                              </p:par>
-                            </p:childTnLst>
-                          </p:cTn>
-                        </p:par>
-                      </p:childTnLst>
-                    </p:cTn>
-                  </p:par>
-                  <p:par>
-                    <p:cTn id="35" fill="hold">
-                      <p:stCondLst>
-                        <p:cond delay="indefinite"/>
-                      </p:stCondLst>
-                      <p:childTnLst>
-                        <p:par>
-                          <p:cTn id="36" fill="hold">
-                            <p:stCondLst>
-                              <p:cond delay="0"/>
-                            </p:stCondLst>
-                            <p:childTnLst>
-                              <p:par>
-                                <p:cTn id="37" presetID="1" presetClass="entr" presetSubtype="0" fill="hold" nodeType="clickEffect">
-                                  <p:stCondLst>
-                                    <p:cond delay="0"/>
-                                  </p:stCondLst>
-                                  <p:childTnLst>
-                                    <p:set>
-                                      <p:cBhvr>
-                                        <p:cTn id="38" dur="1" fill="hold">
-                                          <p:stCondLst>
-                                            <p:cond delay="0"/>
-                                          </p:stCondLst>
-                                        </p:cTn>
-                                        <p:tgtEl>
-                                          <p:spTgt spid="522244">
-                                            <p:txEl>
-                                              <p:pRg st="11" end="11"/>
+                                              <p:pRg st="6" end="6"/>
                                             </p:txEl>
                                           </p:spTgt>
                                         </p:tgtEl>
@@ -26026,10 +25443,6 @@
                 </a:solidFill>
               </a:rPr>
               <a:t>sli.do</a:t>
-            </a:r>
-            <a:r>
-              <a:rPr lang="en-US" sz="6000" b="1" dirty="0"/>
-              <a:t/>
             </a:r>
             <a:br>
               <a:rPr lang="en-US" sz="6000" b="1" dirty="0"/>
@@ -28421,7 +27834,7 @@
         </p:spPr>
         <p:txBody>
           <a:bodyPr>
-            <a:normAutofit lnSpcReduction="10000"/>
+            <a:normAutofit/>
           </a:bodyPr>
           <a:lstStyle/>
           <a:p>
@@ -29269,14 +28682,6 @@
                 </a:solidFill>
               </a:rPr>
               <a:t> + </a:t>
-            </a:r>
-            <a:r>
-              <a:rPr lang="en-US" b="1" dirty="0">
-                <a:solidFill>
-                  <a:schemeClr val="bg1"/>
-                </a:solidFill>
-              </a:rPr>
-              <a:t/>
             </a:r>
             <a:br>
               <a:rPr lang="en-US" b="1" dirty="0">
@@ -30515,7 +29920,7 @@
                 <a14:useLocalDpi xmlns:a14="http://schemas.microsoft.com/office/drawing/2010/main" val="0"/>
               </a:ext>
               <a:ext uri="{96DAC541-7B7A-43D3-8B79-37D633B846F1}">
-                <asvg:svgBlip xmlns:asvg="http://schemas.microsoft.com/office/drawing/2016/SVG/main" xmlns="" r:embed="rId4"/>
+                <asvg:svgBlip xmlns:asvg="http://schemas.microsoft.com/office/drawing/2016/SVG/main" r:embed="rId4"/>
               </a:ext>
             </a:extLst>
           </a:blip>
@@ -31822,7 +31227,7 @@
                 <a14:useLocalDpi xmlns:a14="http://schemas.microsoft.com/office/drawing/2010/main" val="0"/>
               </a:ext>
               <a:ext uri="{96DAC541-7B7A-43D3-8B79-37D633B846F1}">
-                <asvg:svgBlip xmlns:asvg="http://schemas.microsoft.com/office/drawing/2016/SVG/main" xmlns="" r:embed="rId4"/>
+                <asvg:svgBlip xmlns:asvg="http://schemas.microsoft.com/office/drawing/2016/SVG/main" r:embed="rId4"/>
               </a:ext>
             </a:extLst>
           </a:blip>
